--- a/Mecanismes/002_PinceSchrader/Schemas/Figures.pptx
+++ b/Mecanismes/002_PinceSchrader/Schemas/Figures.pptx
@@ -6,7 +6,8 @@
   </p:sldMasterIdLst>
   <p:sldIdLst>
     <p:sldId id="256" r:id="rId2"/>
-    <p:sldId id="257" r:id="rId3"/>
+    <p:sldId id="258" r:id="rId3"/>
+    <p:sldId id="257" r:id="rId4"/>
   </p:sldIdLst>
   <p:sldSz cx="9144000" cy="6858000" type="screen4x3"/>
   <p:notesSz cx="6858000" cy="9144000"/>
@@ -289,7 +290,7 @@
           <a:p>
             <a:fld id="{AA309A6D-C09C-4548-B29A-6CF363A7E532}" type="datetimeFigureOut">
               <a:rPr lang="fr-FR" smtClean="0"/>
-              <a:t>09/10/2012</a:t>
+              <a:t>16/10/2014</a:t>
             </a:fld>
             <a:endParaRPr lang="fr-BE"/>
           </a:p>
@@ -454,7 +455,7 @@
           <a:p>
             <a:fld id="{AA309A6D-C09C-4548-B29A-6CF363A7E532}" type="datetimeFigureOut">
               <a:rPr lang="fr-FR" smtClean="0"/>
-              <a:t>09/10/2012</a:t>
+              <a:t>16/10/2014</a:t>
             </a:fld>
             <a:endParaRPr lang="fr-BE"/>
           </a:p>
@@ -629,7 +630,7 @@
           <a:p>
             <a:fld id="{AA309A6D-C09C-4548-B29A-6CF363A7E532}" type="datetimeFigureOut">
               <a:rPr lang="fr-FR" smtClean="0"/>
-              <a:t>09/10/2012</a:t>
+              <a:t>16/10/2014</a:t>
             </a:fld>
             <a:endParaRPr lang="fr-BE"/>
           </a:p>
@@ -794,7 +795,7 @@
           <a:p>
             <a:fld id="{AA309A6D-C09C-4548-B29A-6CF363A7E532}" type="datetimeFigureOut">
               <a:rPr lang="fr-FR" smtClean="0"/>
-              <a:t>09/10/2012</a:t>
+              <a:t>16/10/2014</a:t>
             </a:fld>
             <a:endParaRPr lang="fr-BE"/>
           </a:p>
@@ -1035,7 +1036,7 @@
           <a:p>
             <a:fld id="{AA309A6D-C09C-4548-B29A-6CF363A7E532}" type="datetimeFigureOut">
               <a:rPr lang="fr-FR" smtClean="0"/>
-              <a:t>09/10/2012</a:t>
+              <a:t>16/10/2014</a:t>
             </a:fld>
             <a:endParaRPr lang="fr-BE"/>
           </a:p>
@@ -1318,7 +1319,7 @@
           <a:p>
             <a:fld id="{AA309A6D-C09C-4548-B29A-6CF363A7E532}" type="datetimeFigureOut">
               <a:rPr lang="fr-FR" smtClean="0"/>
-              <a:t>09/10/2012</a:t>
+              <a:t>16/10/2014</a:t>
             </a:fld>
             <a:endParaRPr lang="fr-BE"/>
           </a:p>
@@ -1735,7 +1736,7 @@
           <a:p>
             <a:fld id="{AA309A6D-C09C-4548-B29A-6CF363A7E532}" type="datetimeFigureOut">
               <a:rPr lang="fr-FR" smtClean="0"/>
-              <a:t>09/10/2012</a:t>
+              <a:t>16/10/2014</a:t>
             </a:fld>
             <a:endParaRPr lang="fr-BE"/>
           </a:p>
@@ -1848,7 +1849,7 @@
           <a:p>
             <a:fld id="{AA309A6D-C09C-4548-B29A-6CF363A7E532}" type="datetimeFigureOut">
               <a:rPr lang="fr-FR" smtClean="0"/>
-              <a:t>09/10/2012</a:t>
+              <a:t>16/10/2014</a:t>
             </a:fld>
             <a:endParaRPr lang="fr-BE"/>
           </a:p>
@@ -1938,7 +1939,7 @@
           <a:p>
             <a:fld id="{AA309A6D-C09C-4548-B29A-6CF363A7E532}" type="datetimeFigureOut">
               <a:rPr lang="fr-FR" smtClean="0"/>
-              <a:t>09/10/2012</a:t>
+              <a:t>16/10/2014</a:t>
             </a:fld>
             <a:endParaRPr lang="fr-BE"/>
           </a:p>
@@ -2210,7 +2211,7 @@
           <a:p>
             <a:fld id="{AA309A6D-C09C-4548-B29A-6CF363A7E532}" type="datetimeFigureOut">
               <a:rPr lang="fr-FR" smtClean="0"/>
-              <a:t>09/10/2012</a:t>
+              <a:t>16/10/2014</a:t>
             </a:fld>
             <a:endParaRPr lang="fr-BE"/>
           </a:p>
@@ -2458,7 +2459,7 @@
           <a:p>
             <a:fld id="{AA309A6D-C09C-4548-B29A-6CF363A7E532}" type="datetimeFigureOut">
               <a:rPr lang="fr-FR" smtClean="0"/>
-              <a:t>09/10/2012</a:t>
+              <a:t>16/10/2014</a:t>
             </a:fld>
             <a:endParaRPr lang="fr-BE"/>
           </a:p>
@@ -2666,7 +2667,7 @@
           <a:p>
             <a:fld id="{AA309A6D-C09C-4548-B29A-6CF363A7E532}" type="datetimeFigureOut">
               <a:rPr lang="fr-FR" smtClean="0"/>
-              <a:t>09/10/2012</a:t>
+              <a:t>16/10/2014</a:t>
             </a:fld>
             <a:endParaRPr lang="fr-BE"/>
           </a:p>
@@ -4568,6 +4569,1240 @@
 </file>
 
 <file path=ppt/slides/slide2.xml><?xml version="1.0" encoding="utf-8"?>
+<p:sld xmlns:a="http://schemas.openxmlformats.org/drawingml/2006/main" xmlns:r="http://schemas.openxmlformats.org/officeDocument/2006/relationships" xmlns:p="http://schemas.openxmlformats.org/presentationml/2006/main">
+  <p:cSld>
+    <p:spTree>
+      <p:nvGrpSpPr>
+        <p:cNvPr id="1" name=""/>
+        <p:cNvGrpSpPr/>
+        <p:nvPr/>
+      </p:nvGrpSpPr>
+      <p:grpSpPr>
+        <a:xfrm>
+          <a:off x="0" y="0"/>
+          <a:ext cx="0" cy="0"/>
+          <a:chOff x="0" y="0"/>
+          <a:chExt cx="0" cy="0"/>
+        </a:xfrm>
+      </p:grpSpPr>
+      <p:pic>
+        <p:nvPicPr>
+          <p:cNvPr id="84" name="Image 83"/>
+          <p:cNvPicPr>
+            <a:picLocks noChangeAspect="1"/>
+          </p:cNvPicPr>
+          <p:nvPr/>
+        </p:nvPicPr>
+        <p:blipFill>
+          <a:blip r:embed="rId2" cstate="print">
+            <a:extLst>
+              <a:ext uri="{28A0092B-C50C-407E-A947-70E740481C1C}">
+                <a14:useLocalDpi xmlns:a14="http://schemas.microsoft.com/office/drawing/2010/main" val="0"/>
+              </a:ext>
+            </a:extLst>
+          </a:blip>
+          <a:stretch>
+            <a:fillRect/>
+          </a:stretch>
+        </p:blipFill>
+        <p:spPr>
+          <a:xfrm>
+            <a:off x="0" y="196719"/>
+            <a:ext cx="9144000" cy="6464561"/>
+          </a:xfrm>
+          <a:prstGeom prst="rect">
+            <a:avLst/>
+          </a:prstGeom>
+        </p:spPr>
+      </p:pic>
+      <p:sp>
+        <p:nvSpPr>
+          <p:cNvPr id="34" name="Rectangle 33"/>
+          <p:cNvSpPr/>
+          <p:nvPr/>
+        </p:nvSpPr>
+        <p:spPr>
+          <a:xfrm>
+            <a:off x="2051720" y="764704"/>
+            <a:ext cx="5400600" cy="3384376"/>
+          </a:xfrm>
+          <a:prstGeom prst="rect">
+            <a:avLst/>
+          </a:prstGeom>
+          <a:solidFill>
+            <a:schemeClr val="bg1">
+              <a:alpha val="85000"/>
+            </a:schemeClr>
+          </a:solidFill>
+          <a:ln>
+            <a:noFill/>
+          </a:ln>
+        </p:spPr>
+        <p:style>
+          <a:lnRef idx="2">
+            <a:schemeClr val="accent1">
+              <a:shade val="50000"/>
+            </a:schemeClr>
+          </a:lnRef>
+          <a:fillRef idx="1">
+            <a:schemeClr val="accent1"/>
+          </a:fillRef>
+          <a:effectRef idx="0">
+            <a:schemeClr val="accent1"/>
+          </a:effectRef>
+          <a:fontRef idx="minor">
+            <a:schemeClr val="lt1"/>
+          </a:fontRef>
+        </p:style>
+        <p:txBody>
+          <a:bodyPr rtlCol="0" anchor="ctr"/>
+          <a:lstStyle/>
+          <a:p>
+            <a:pPr algn="ctr"/>
+            <a:endParaRPr lang="fr-FR"/>
+          </a:p>
+        </p:txBody>
+      </p:sp>
+      <p:grpSp>
+        <p:nvGrpSpPr>
+          <p:cNvPr id="64" name="Groupe 63"/>
+          <p:cNvGrpSpPr/>
+          <p:nvPr/>
+        </p:nvGrpSpPr>
+        <p:grpSpPr>
+          <a:xfrm>
+            <a:off x="2558356" y="1340768"/>
+            <a:ext cx="4533924" cy="2520280"/>
+            <a:chOff x="2558356" y="1340768"/>
+            <a:chExt cx="4533924" cy="2520280"/>
+          </a:xfrm>
+        </p:grpSpPr>
+        <p:cxnSp>
+          <p:nvCxnSpPr>
+            <p:cNvPr id="56" name="Connecteur droit 55"/>
+            <p:cNvCxnSpPr/>
+            <p:nvPr/>
+          </p:nvCxnSpPr>
+          <p:spPr>
+            <a:xfrm flipV="1">
+              <a:off x="5040052" y="1688651"/>
+              <a:ext cx="0" cy="411369"/>
+            </a:xfrm>
+            <a:prstGeom prst="line">
+              <a:avLst/>
+            </a:prstGeom>
+            <a:ln w="19050">
+              <a:solidFill>
+                <a:srgbClr val="FFFF00"/>
+              </a:solidFill>
+            </a:ln>
+          </p:spPr>
+          <p:style>
+            <a:lnRef idx="1">
+              <a:schemeClr val="accent1"/>
+            </a:lnRef>
+            <a:fillRef idx="0">
+              <a:schemeClr val="accent1"/>
+            </a:fillRef>
+            <a:effectRef idx="0">
+              <a:schemeClr val="accent1"/>
+            </a:effectRef>
+            <a:fontRef idx="minor">
+              <a:schemeClr val="tx1"/>
+            </a:fontRef>
+          </p:style>
+        </p:cxnSp>
+        <p:cxnSp>
+          <p:nvCxnSpPr>
+            <p:cNvPr id="54" name="Connecteur droit 53"/>
+            <p:cNvCxnSpPr/>
+            <p:nvPr/>
+          </p:nvCxnSpPr>
+          <p:spPr>
+            <a:xfrm flipV="1">
+              <a:off x="5029690" y="3068960"/>
+              <a:ext cx="0" cy="411369"/>
+            </a:xfrm>
+            <a:prstGeom prst="line">
+              <a:avLst/>
+            </a:prstGeom>
+            <a:ln w="19050">
+              <a:solidFill>
+                <a:srgbClr val="FFFF00"/>
+              </a:solidFill>
+            </a:ln>
+          </p:spPr>
+          <p:style>
+            <a:lnRef idx="1">
+              <a:schemeClr val="accent1"/>
+            </a:lnRef>
+            <a:fillRef idx="0">
+              <a:schemeClr val="accent1"/>
+            </a:fillRef>
+            <a:effectRef idx="0">
+              <a:schemeClr val="accent1"/>
+            </a:effectRef>
+            <a:fontRef idx="minor">
+              <a:schemeClr val="tx1"/>
+            </a:fontRef>
+          </p:style>
+        </p:cxnSp>
+        <p:sp>
+          <p:nvSpPr>
+            <p:cNvPr id="7" name="Ellipse 6"/>
+            <p:cNvSpPr/>
+            <p:nvPr/>
+          </p:nvSpPr>
+          <p:spPr>
+            <a:xfrm>
+              <a:off x="4932040" y="2852936"/>
+              <a:ext cx="216024" cy="216024"/>
+            </a:xfrm>
+            <a:prstGeom prst="ellipse">
+              <a:avLst/>
+            </a:prstGeom>
+            <a:noFill/>
+            <a:ln w="19050">
+              <a:solidFill>
+                <a:srgbClr val="FFFF00"/>
+              </a:solidFill>
+            </a:ln>
+          </p:spPr>
+          <p:style>
+            <a:lnRef idx="2">
+              <a:schemeClr val="accent1">
+                <a:shade val="50000"/>
+              </a:schemeClr>
+            </a:lnRef>
+            <a:fillRef idx="1">
+              <a:schemeClr val="accent1"/>
+            </a:fillRef>
+            <a:effectRef idx="0">
+              <a:schemeClr val="accent1"/>
+            </a:effectRef>
+            <a:fontRef idx="minor">
+              <a:schemeClr val="lt1"/>
+            </a:fontRef>
+          </p:style>
+          <p:txBody>
+            <a:bodyPr rtlCol="0" anchor="ctr"/>
+            <a:lstStyle/>
+            <a:p>
+              <a:pPr algn="ctr"/>
+              <a:endParaRPr lang="fr-FR"/>
+            </a:p>
+          </p:txBody>
+        </p:sp>
+        <p:sp>
+          <p:nvSpPr>
+            <p:cNvPr id="8" name="Ellipse 7"/>
+            <p:cNvSpPr/>
+            <p:nvPr/>
+          </p:nvSpPr>
+          <p:spPr>
+            <a:xfrm>
+              <a:off x="4932040" y="2102768"/>
+              <a:ext cx="216024" cy="216024"/>
+            </a:xfrm>
+            <a:prstGeom prst="ellipse">
+              <a:avLst/>
+            </a:prstGeom>
+            <a:noFill/>
+            <a:ln w="19050">
+              <a:solidFill>
+                <a:srgbClr val="FFFF00"/>
+              </a:solidFill>
+            </a:ln>
+          </p:spPr>
+          <p:style>
+            <a:lnRef idx="2">
+              <a:schemeClr val="accent1">
+                <a:shade val="50000"/>
+              </a:schemeClr>
+            </a:lnRef>
+            <a:fillRef idx="1">
+              <a:schemeClr val="accent1"/>
+            </a:fillRef>
+            <a:effectRef idx="0">
+              <a:schemeClr val="accent1"/>
+            </a:effectRef>
+            <a:fontRef idx="minor">
+              <a:schemeClr val="lt1"/>
+            </a:fontRef>
+          </p:style>
+          <p:txBody>
+            <a:bodyPr rtlCol="0" anchor="ctr"/>
+            <a:lstStyle/>
+            <a:p>
+              <a:pPr algn="ctr"/>
+              <a:endParaRPr lang="fr-FR"/>
+            </a:p>
+          </p:txBody>
+        </p:sp>
+        <p:sp>
+          <p:nvSpPr>
+            <p:cNvPr id="11" name="Ellipse 10"/>
+            <p:cNvSpPr/>
+            <p:nvPr/>
+          </p:nvSpPr>
+          <p:spPr>
+            <a:xfrm>
+              <a:off x="3986808" y="1959496"/>
+              <a:ext cx="360040" cy="360040"/>
+            </a:xfrm>
+            <a:prstGeom prst="ellipse">
+              <a:avLst/>
+            </a:prstGeom>
+            <a:noFill/>
+            <a:ln w="19050">
+              <a:solidFill>
+                <a:srgbClr val="00B050"/>
+              </a:solidFill>
+            </a:ln>
+          </p:spPr>
+          <p:style>
+            <a:lnRef idx="2">
+              <a:schemeClr val="accent1">
+                <a:shade val="50000"/>
+              </a:schemeClr>
+            </a:lnRef>
+            <a:fillRef idx="1">
+              <a:schemeClr val="accent1"/>
+            </a:fillRef>
+            <a:effectRef idx="0">
+              <a:schemeClr val="accent1"/>
+            </a:effectRef>
+            <a:fontRef idx="minor">
+              <a:schemeClr val="lt1"/>
+            </a:fontRef>
+          </p:style>
+          <p:txBody>
+            <a:bodyPr rtlCol="0" anchor="ctr"/>
+            <a:lstStyle/>
+            <a:p>
+              <a:pPr algn="ctr"/>
+              <a:endParaRPr lang="fr-FR"/>
+            </a:p>
+          </p:txBody>
+        </p:sp>
+        <p:sp>
+          <p:nvSpPr>
+            <p:cNvPr id="12" name="Ellipse 11"/>
+            <p:cNvSpPr/>
+            <p:nvPr/>
+          </p:nvSpPr>
+          <p:spPr>
+            <a:xfrm>
+              <a:off x="3986808" y="2872966"/>
+              <a:ext cx="360040" cy="360040"/>
+            </a:xfrm>
+            <a:prstGeom prst="ellipse">
+              <a:avLst/>
+            </a:prstGeom>
+            <a:noFill/>
+            <a:ln w="19050">
+              <a:solidFill>
+                <a:schemeClr val="accent4"/>
+              </a:solidFill>
+            </a:ln>
+          </p:spPr>
+          <p:style>
+            <a:lnRef idx="2">
+              <a:schemeClr val="accent1">
+                <a:shade val="50000"/>
+              </a:schemeClr>
+            </a:lnRef>
+            <a:fillRef idx="1">
+              <a:schemeClr val="accent1"/>
+            </a:fillRef>
+            <a:effectRef idx="0">
+              <a:schemeClr val="accent1"/>
+            </a:effectRef>
+            <a:fontRef idx="minor">
+              <a:schemeClr val="lt1"/>
+            </a:fontRef>
+          </p:style>
+          <p:txBody>
+            <a:bodyPr rtlCol="0" anchor="ctr"/>
+            <a:lstStyle/>
+            <a:p>
+              <a:pPr algn="ctr"/>
+              <a:endParaRPr lang="fr-FR"/>
+            </a:p>
+          </p:txBody>
+        </p:sp>
+        <p:sp>
+          <p:nvSpPr>
+            <p:cNvPr id="13" name="Ellipse 12"/>
+            <p:cNvSpPr/>
+            <p:nvPr/>
+          </p:nvSpPr>
+          <p:spPr>
+            <a:xfrm>
+              <a:off x="4058072" y="2944230"/>
+              <a:ext cx="217512" cy="217512"/>
+            </a:xfrm>
+            <a:prstGeom prst="ellipse">
+              <a:avLst/>
+            </a:prstGeom>
+            <a:noFill/>
+            <a:ln w="19050">
+              <a:solidFill>
+                <a:srgbClr val="FFC000"/>
+              </a:solidFill>
+            </a:ln>
+          </p:spPr>
+          <p:style>
+            <a:lnRef idx="2">
+              <a:schemeClr val="accent1">
+                <a:shade val="50000"/>
+              </a:schemeClr>
+            </a:lnRef>
+            <a:fillRef idx="1">
+              <a:schemeClr val="accent1"/>
+            </a:fillRef>
+            <a:effectRef idx="0">
+              <a:schemeClr val="accent1"/>
+            </a:effectRef>
+            <a:fontRef idx="minor">
+              <a:schemeClr val="lt1"/>
+            </a:fontRef>
+          </p:style>
+          <p:txBody>
+            <a:bodyPr rtlCol="0" anchor="ctr"/>
+            <a:lstStyle/>
+            <a:p>
+              <a:pPr algn="ctr"/>
+              <a:endParaRPr lang="fr-FR"/>
+            </a:p>
+          </p:txBody>
+        </p:sp>
+        <p:sp>
+          <p:nvSpPr>
+            <p:cNvPr id="14" name="Ellipse 13"/>
+            <p:cNvSpPr/>
+            <p:nvPr/>
+          </p:nvSpPr>
+          <p:spPr>
+            <a:xfrm>
+              <a:off x="4058072" y="2030760"/>
+              <a:ext cx="217512" cy="217512"/>
+            </a:xfrm>
+            <a:prstGeom prst="ellipse">
+              <a:avLst/>
+            </a:prstGeom>
+            <a:noFill/>
+            <a:ln w="19050">
+              <a:solidFill>
+                <a:srgbClr val="0070C0"/>
+              </a:solidFill>
+            </a:ln>
+          </p:spPr>
+          <p:style>
+            <a:lnRef idx="2">
+              <a:schemeClr val="accent1">
+                <a:shade val="50000"/>
+              </a:schemeClr>
+            </a:lnRef>
+            <a:fillRef idx="1">
+              <a:schemeClr val="accent1"/>
+            </a:fillRef>
+            <a:effectRef idx="0">
+              <a:schemeClr val="accent1"/>
+            </a:effectRef>
+            <a:fontRef idx="minor">
+              <a:schemeClr val="lt1"/>
+            </a:fontRef>
+          </p:style>
+          <p:txBody>
+            <a:bodyPr rtlCol="0" anchor="ctr"/>
+            <a:lstStyle/>
+            <a:p>
+              <a:pPr algn="ctr"/>
+              <a:endParaRPr lang="fr-FR"/>
+            </a:p>
+          </p:txBody>
+        </p:sp>
+        <p:sp>
+          <p:nvSpPr>
+            <p:cNvPr id="15" name="Ellipse 14"/>
+            <p:cNvSpPr/>
+            <p:nvPr/>
+          </p:nvSpPr>
+          <p:spPr>
+            <a:xfrm>
+              <a:off x="3563888" y="2492896"/>
+              <a:ext cx="217512" cy="217512"/>
+            </a:xfrm>
+            <a:prstGeom prst="ellipse">
+              <a:avLst/>
+            </a:prstGeom>
+            <a:noFill/>
+            <a:ln w="19050">
+              <a:solidFill>
+                <a:srgbClr val="FF0000"/>
+              </a:solidFill>
+            </a:ln>
+          </p:spPr>
+          <p:style>
+            <a:lnRef idx="2">
+              <a:schemeClr val="accent1">
+                <a:shade val="50000"/>
+              </a:schemeClr>
+            </a:lnRef>
+            <a:fillRef idx="1">
+              <a:schemeClr val="accent1"/>
+            </a:fillRef>
+            <a:effectRef idx="0">
+              <a:schemeClr val="accent1"/>
+            </a:effectRef>
+            <a:fontRef idx="minor">
+              <a:schemeClr val="lt1"/>
+            </a:fontRef>
+          </p:style>
+          <p:txBody>
+            <a:bodyPr rtlCol="0" anchor="ctr"/>
+            <a:lstStyle/>
+            <a:p>
+              <a:pPr algn="ctr"/>
+              <a:endParaRPr lang="fr-FR"/>
+            </a:p>
+          </p:txBody>
+        </p:sp>
+        <p:cxnSp>
+          <p:nvCxnSpPr>
+            <p:cNvPr id="22" name="Connecteur droit 21"/>
+            <p:cNvCxnSpPr>
+              <a:endCxn id="15" idx="2"/>
+            </p:cNvCxnSpPr>
+            <p:nvPr/>
+          </p:nvCxnSpPr>
+          <p:spPr>
+            <a:xfrm>
+              <a:off x="2843808" y="2601652"/>
+              <a:ext cx="720080" cy="0"/>
+            </a:xfrm>
+            <a:prstGeom prst="line">
+              <a:avLst/>
+            </a:prstGeom>
+            <a:ln w="19050">
+              <a:solidFill>
+                <a:srgbClr val="FF0000"/>
+              </a:solidFill>
+            </a:ln>
+          </p:spPr>
+          <p:style>
+            <a:lnRef idx="1">
+              <a:schemeClr val="accent1"/>
+            </a:lnRef>
+            <a:fillRef idx="0">
+              <a:schemeClr val="accent1"/>
+            </a:fillRef>
+            <a:effectRef idx="0">
+              <a:schemeClr val="accent1"/>
+            </a:effectRef>
+            <a:fontRef idx="minor">
+              <a:schemeClr val="tx1"/>
+            </a:fontRef>
+          </p:style>
+        </p:cxnSp>
+        <p:cxnSp>
+          <p:nvCxnSpPr>
+            <p:cNvPr id="24" name="Connecteur droit 23"/>
+            <p:cNvCxnSpPr>
+              <a:stCxn id="15" idx="7"/>
+              <a:endCxn id="14" idx="3"/>
+            </p:cNvCxnSpPr>
+            <p:nvPr/>
+          </p:nvCxnSpPr>
+          <p:spPr>
+            <a:xfrm flipV="1">
+              <a:off x="3749546" y="2216418"/>
+              <a:ext cx="340380" cy="308332"/>
+            </a:xfrm>
+            <a:prstGeom prst="line">
+              <a:avLst/>
+            </a:prstGeom>
+            <a:ln w="19050">
+              <a:solidFill>
+                <a:srgbClr val="0070C0"/>
+              </a:solidFill>
+            </a:ln>
+          </p:spPr>
+          <p:style>
+            <a:lnRef idx="1">
+              <a:schemeClr val="accent1"/>
+            </a:lnRef>
+            <a:fillRef idx="0">
+              <a:schemeClr val="accent1"/>
+            </a:fillRef>
+            <a:effectRef idx="0">
+              <a:schemeClr val="accent1"/>
+            </a:effectRef>
+            <a:fontRef idx="minor">
+              <a:schemeClr val="tx1"/>
+            </a:fontRef>
+          </p:style>
+        </p:cxnSp>
+        <p:cxnSp>
+          <p:nvCxnSpPr>
+            <p:cNvPr id="27" name="Connecteur droit 26"/>
+            <p:cNvCxnSpPr>
+              <a:stCxn id="15" idx="5"/>
+              <a:endCxn id="13" idx="1"/>
+            </p:cNvCxnSpPr>
+            <p:nvPr/>
+          </p:nvCxnSpPr>
+          <p:spPr>
+            <a:xfrm>
+              <a:off x="3749546" y="2678554"/>
+              <a:ext cx="340380" cy="297530"/>
+            </a:xfrm>
+            <a:prstGeom prst="line">
+              <a:avLst/>
+            </a:prstGeom>
+            <a:ln w="19050">
+              <a:solidFill>
+                <a:srgbClr val="FFC000"/>
+              </a:solidFill>
+            </a:ln>
+          </p:spPr>
+          <p:style>
+            <a:lnRef idx="1">
+              <a:schemeClr val="accent1"/>
+            </a:lnRef>
+            <a:fillRef idx="0">
+              <a:schemeClr val="accent1"/>
+            </a:fillRef>
+            <a:effectRef idx="0">
+              <a:schemeClr val="accent1"/>
+            </a:effectRef>
+            <a:fontRef idx="minor">
+              <a:schemeClr val="tx1"/>
+            </a:fontRef>
+          </p:style>
+        </p:cxnSp>
+        <p:cxnSp>
+          <p:nvCxnSpPr>
+            <p:cNvPr id="30" name="Connecteur droit 29"/>
+            <p:cNvCxnSpPr>
+              <a:endCxn id="12" idx="5"/>
+            </p:cNvCxnSpPr>
+            <p:nvPr/>
+          </p:nvCxnSpPr>
+          <p:spPr>
+            <a:xfrm flipH="1" flipV="1">
+              <a:off x="4294121" y="3180279"/>
+              <a:ext cx="2798159" cy="680769"/>
+            </a:xfrm>
+            <a:prstGeom prst="line">
+              <a:avLst/>
+            </a:prstGeom>
+            <a:ln w="19050">
+              <a:solidFill>
+                <a:srgbClr val="7030A0"/>
+              </a:solidFill>
+            </a:ln>
+          </p:spPr>
+          <p:style>
+            <a:lnRef idx="1">
+              <a:schemeClr val="accent1"/>
+            </a:lnRef>
+            <a:fillRef idx="0">
+              <a:schemeClr val="accent1"/>
+            </a:fillRef>
+            <a:effectRef idx="0">
+              <a:schemeClr val="accent1"/>
+            </a:effectRef>
+            <a:fontRef idx="minor">
+              <a:schemeClr val="tx1"/>
+            </a:fontRef>
+          </p:style>
+        </p:cxnSp>
+        <p:cxnSp>
+          <p:nvCxnSpPr>
+            <p:cNvPr id="33" name="Connecteur droit 32"/>
+            <p:cNvCxnSpPr>
+              <a:stCxn id="7" idx="4"/>
+            </p:cNvCxnSpPr>
+            <p:nvPr/>
+          </p:nvCxnSpPr>
+          <p:spPr>
+            <a:xfrm flipH="1">
+              <a:off x="5004048" y="3068960"/>
+              <a:ext cx="36004" cy="288032"/>
+            </a:xfrm>
+            <a:prstGeom prst="line">
+              <a:avLst/>
+            </a:prstGeom>
+            <a:ln w="19050">
+              <a:solidFill>
+                <a:srgbClr val="7030A0"/>
+              </a:solidFill>
+            </a:ln>
+          </p:spPr>
+          <p:style>
+            <a:lnRef idx="1">
+              <a:schemeClr val="accent1"/>
+            </a:lnRef>
+            <a:fillRef idx="0">
+              <a:schemeClr val="accent1"/>
+            </a:fillRef>
+            <a:effectRef idx="0">
+              <a:schemeClr val="accent1"/>
+            </a:effectRef>
+            <a:fontRef idx="minor">
+              <a:schemeClr val="tx1"/>
+            </a:fontRef>
+          </p:style>
+        </p:cxnSp>
+        <p:cxnSp>
+          <p:nvCxnSpPr>
+            <p:cNvPr id="38" name="Connecteur droit 37"/>
+            <p:cNvCxnSpPr>
+              <a:endCxn id="11" idx="7"/>
+            </p:cNvCxnSpPr>
+            <p:nvPr/>
+          </p:nvCxnSpPr>
+          <p:spPr>
+            <a:xfrm flipH="1">
+              <a:off x="4294121" y="1340768"/>
+              <a:ext cx="2798159" cy="671455"/>
+            </a:xfrm>
+            <a:prstGeom prst="line">
+              <a:avLst/>
+            </a:prstGeom>
+            <a:ln w="19050">
+              <a:solidFill>
+                <a:srgbClr val="00B050"/>
+              </a:solidFill>
+            </a:ln>
+          </p:spPr>
+          <p:style>
+            <a:lnRef idx="1">
+              <a:schemeClr val="accent1"/>
+            </a:lnRef>
+            <a:fillRef idx="0">
+              <a:schemeClr val="accent1"/>
+            </a:fillRef>
+            <a:effectRef idx="0">
+              <a:schemeClr val="accent1"/>
+            </a:effectRef>
+            <a:fontRef idx="minor">
+              <a:schemeClr val="tx1"/>
+            </a:fontRef>
+          </p:style>
+        </p:cxnSp>
+        <p:cxnSp>
+          <p:nvCxnSpPr>
+            <p:cNvPr id="41" name="Connecteur droit 40"/>
+            <p:cNvCxnSpPr>
+              <a:stCxn id="8" idx="0"/>
+            </p:cNvCxnSpPr>
+            <p:nvPr/>
+          </p:nvCxnSpPr>
+          <p:spPr>
+            <a:xfrm flipH="1" flipV="1">
+              <a:off x="5004048" y="1844824"/>
+              <a:ext cx="36004" cy="257944"/>
+            </a:xfrm>
+            <a:prstGeom prst="line">
+              <a:avLst/>
+            </a:prstGeom>
+            <a:ln w="19050">
+              <a:solidFill>
+                <a:srgbClr val="00B050"/>
+              </a:solidFill>
+            </a:ln>
+          </p:spPr>
+          <p:style>
+            <a:lnRef idx="1">
+              <a:schemeClr val="accent1"/>
+            </a:lnRef>
+            <a:fillRef idx="0">
+              <a:schemeClr val="accent1"/>
+            </a:fillRef>
+            <a:effectRef idx="0">
+              <a:schemeClr val="accent1"/>
+            </a:effectRef>
+            <a:fontRef idx="minor">
+              <a:schemeClr val="tx1"/>
+            </a:fontRef>
+          </p:style>
+        </p:cxnSp>
+        <p:cxnSp>
+          <p:nvCxnSpPr>
+            <p:cNvPr id="45" name="Connecteur droit 44"/>
+            <p:cNvCxnSpPr/>
+            <p:nvPr/>
+          </p:nvCxnSpPr>
+          <p:spPr>
+            <a:xfrm flipV="1">
+              <a:off x="2558356" y="1676495"/>
+              <a:ext cx="2481696" cy="24314"/>
+            </a:xfrm>
+            <a:prstGeom prst="line">
+              <a:avLst/>
+            </a:prstGeom>
+            <a:ln w="19050">
+              <a:solidFill>
+                <a:srgbClr val="FFFF00"/>
+              </a:solidFill>
+            </a:ln>
+          </p:spPr>
+          <p:style>
+            <a:lnRef idx="1">
+              <a:schemeClr val="accent1"/>
+            </a:lnRef>
+            <a:fillRef idx="0">
+              <a:schemeClr val="accent1"/>
+            </a:fillRef>
+            <a:effectRef idx="0">
+              <a:schemeClr val="accent1"/>
+            </a:effectRef>
+            <a:fontRef idx="minor">
+              <a:schemeClr val="tx1"/>
+            </a:fontRef>
+          </p:style>
+        </p:cxnSp>
+        <p:cxnSp>
+          <p:nvCxnSpPr>
+            <p:cNvPr id="48" name="Connecteur droit 47"/>
+            <p:cNvCxnSpPr>
+              <a:stCxn id="3" idx="0"/>
+            </p:cNvCxnSpPr>
+            <p:nvPr/>
+          </p:nvCxnSpPr>
+          <p:spPr>
+            <a:xfrm flipV="1">
+              <a:off x="3120430" y="1688652"/>
+              <a:ext cx="0" cy="804244"/>
+            </a:xfrm>
+            <a:prstGeom prst="line">
+              <a:avLst/>
+            </a:prstGeom>
+            <a:ln w="19050">
+              <a:solidFill>
+                <a:srgbClr val="FFFF00"/>
+              </a:solidFill>
+            </a:ln>
+          </p:spPr>
+          <p:style>
+            <a:lnRef idx="1">
+              <a:schemeClr val="accent1"/>
+            </a:lnRef>
+            <a:fillRef idx="0">
+              <a:schemeClr val="accent1"/>
+            </a:fillRef>
+            <a:effectRef idx="0">
+              <a:schemeClr val="accent1"/>
+            </a:effectRef>
+            <a:fontRef idx="minor">
+              <a:schemeClr val="tx1"/>
+            </a:fontRef>
+          </p:style>
+        </p:cxnSp>
+        <p:cxnSp>
+          <p:nvCxnSpPr>
+            <p:cNvPr id="53" name="Connecteur droit 52"/>
+            <p:cNvCxnSpPr/>
+            <p:nvPr/>
+          </p:nvCxnSpPr>
+          <p:spPr>
+            <a:xfrm>
+              <a:off x="2558356" y="3480329"/>
+              <a:ext cx="2471334" cy="1"/>
+            </a:xfrm>
+            <a:prstGeom prst="line">
+              <a:avLst/>
+            </a:prstGeom>
+            <a:ln w="19050">
+              <a:solidFill>
+                <a:srgbClr val="FFFF00"/>
+              </a:solidFill>
+            </a:ln>
+          </p:spPr>
+          <p:style>
+            <a:lnRef idx="1">
+              <a:schemeClr val="accent1"/>
+            </a:lnRef>
+            <a:fillRef idx="0">
+              <a:schemeClr val="accent1"/>
+            </a:fillRef>
+            <a:effectRef idx="0">
+              <a:schemeClr val="accent1"/>
+            </a:effectRef>
+            <a:fontRef idx="minor">
+              <a:schemeClr val="tx1"/>
+            </a:fontRef>
+          </p:style>
+        </p:cxnSp>
+        <p:cxnSp>
+          <p:nvCxnSpPr>
+            <p:cNvPr id="60" name="Connecteur droit 59"/>
+            <p:cNvCxnSpPr/>
+            <p:nvPr/>
+          </p:nvCxnSpPr>
+          <p:spPr>
+            <a:xfrm flipV="1">
+              <a:off x="2558356" y="1700810"/>
+              <a:ext cx="0" cy="1779519"/>
+            </a:xfrm>
+            <a:prstGeom prst="line">
+              <a:avLst/>
+            </a:prstGeom>
+            <a:ln w="19050">
+              <a:solidFill>
+                <a:srgbClr val="FFFF00"/>
+              </a:solidFill>
+            </a:ln>
+          </p:spPr>
+          <p:style>
+            <a:lnRef idx="1">
+              <a:schemeClr val="accent1"/>
+            </a:lnRef>
+            <a:fillRef idx="0">
+              <a:schemeClr val="accent1"/>
+            </a:fillRef>
+            <a:effectRef idx="0">
+              <a:schemeClr val="accent1"/>
+            </a:effectRef>
+            <a:fontRef idx="minor">
+              <a:schemeClr val="tx1"/>
+            </a:fontRef>
+          </p:style>
+        </p:cxnSp>
+        <p:cxnSp>
+          <p:nvCxnSpPr>
+            <p:cNvPr id="83" name="Connecteur droit 82"/>
+            <p:cNvCxnSpPr/>
+            <p:nvPr/>
+          </p:nvCxnSpPr>
+          <p:spPr>
+            <a:xfrm flipV="1">
+              <a:off x="3120430" y="2716419"/>
+              <a:ext cx="0" cy="763911"/>
+            </a:xfrm>
+            <a:prstGeom prst="line">
+              <a:avLst/>
+            </a:prstGeom>
+            <a:ln w="19050">
+              <a:solidFill>
+                <a:srgbClr val="FFFF00"/>
+              </a:solidFill>
+            </a:ln>
+          </p:spPr>
+          <p:style>
+            <a:lnRef idx="1">
+              <a:schemeClr val="accent1"/>
+            </a:lnRef>
+            <a:fillRef idx="0">
+              <a:schemeClr val="accent1"/>
+            </a:fillRef>
+            <a:effectRef idx="0">
+              <a:schemeClr val="accent1"/>
+            </a:effectRef>
+            <a:fontRef idx="minor">
+              <a:schemeClr val="tx1"/>
+            </a:fontRef>
+          </p:style>
+        </p:cxnSp>
+      </p:grpSp>
+      <p:sp>
+        <p:nvSpPr>
+          <p:cNvPr id="65" name="ZoneTexte 64"/>
+          <p:cNvSpPr txBox="1"/>
+          <p:nvPr/>
+        </p:nvSpPr>
+        <p:spPr>
+          <a:xfrm>
+            <a:off x="2555776" y="1703782"/>
+            <a:ext cx="432048" cy="338554"/>
+          </a:xfrm>
+          <a:prstGeom prst="rect">
+            <a:avLst/>
+          </a:prstGeom>
+          <a:noFill/>
+        </p:spPr>
+        <p:txBody>
+          <a:bodyPr wrap="square" rtlCol="0">
+            <a:spAutoFit/>
+          </a:bodyPr>
+          <a:lstStyle/>
+          <a:p>
+            <a:r>
+              <a:rPr lang="fr-FR" sz="1600" b="1" dirty="0" smtClean="0">
+                <a:ln>
+                  <a:solidFill>
+                    <a:schemeClr val="tx1"/>
+                  </a:solidFill>
+                </a:ln>
+                <a:solidFill>
+                  <a:srgbClr val="FFFF00"/>
+                </a:solidFill>
+              </a:rPr>
+              <a:t>A</a:t>
+            </a:r>
+            <a:endParaRPr lang="fr-FR" sz="1600" b="1" dirty="0">
+              <a:ln>
+                <a:solidFill>
+                  <a:schemeClr val="tx1"/>
+                </a:solidFill>
+              </a:ln>
+              <a:solidFill>
+                <a:srgbClr val="FFFF00"/>
+              </a:solidFill>
+            </a:endParaRPr>
+          </a:p>
+        </p:txBody>
+      </p:sp>
+      <p:sp>
+        <p:nvSpPr>
+          <p:cNvPr id="66" name="ZoneTexte 65"/>
+          <p:cNvSpPr txBox="1"/>
+          <p:nvPr/>
+        </p:nvSpPr>
+        <p:spPr>
+          <a:xfrm>
+            <a:off x="2868402" y="2086994"/>
+            <a:ext cx="432048" cy="338554"/>
+          </a:xfrm>
+          <a:prstGeom prst="rect">
+            <a:avLst/>
+          </a:prstGeom>
+          <a:noFill/>
+        </p:spPr>
+        <p:txBody>
+          <a:bodyPr wrap="square" rtlCol="0">
+            <a:spAutoFit/>
+          </a:bodyPr>
+          <a:lstStyle/>
+          <a:p>
+            <a:r>
+              <a:rPr lang="fr-FR" sz="1600" dirty="0" smtClean="0">
+                <a:solidFill>
+                  <a:srgbClr val="FF0000"/>
+                </a:solidFill>
+              </a:rPr>
+              <a:t>B</a:t>
+            </a:r>
+            <a:endParaRPr lang="fr-FR" sz="1600" dirty="0">
+              <a:solidFill>
+                <a:srgbClr val="FF0000"/>
+              </a:solidFill>
+            </a:endParaRPr>
+          </a:p>
+        </p:txBody>
+      </p:sp>
+      <p:sp>
+        <p:nvSpPr>
+          <p:cNvPr id="67" name="ZoneTexte 66"/>
+          <p:cNvSpPr txBox="1"/>
+          <p:nvPr/>
+        </p:nvSpPr>
+        <p:spPr>
+          <a:xfrm>
+            <a:off x="3728907" y="2060848"/>
+            <a:ext cx="432048" cy="338554"/>
+          </a:xfrm>
+          <a:prstGeom prst="rect">
+            <a:avLst/>
+          </a:prstGeom>
+          <a:noFill/>
+        </p:spPr>
+        <p:txBody>
+          <a:bodyPr wrap="square" rtlCol="0">
+            <a:spAutoFit/>
+          </a:bodyPr>
+          <a:lstStyle/>
+          <a:p>
+            <a:r>
+              <a:rPr lang="fr-FR" sz="1600" dirty="0" smtClean="0">
+                <a:solidFill>
+                  <a:schemeClr val="accent1"/>
+                </a:solidFill>
+              </a:rPr>
+              <a:t>C</a:t>
+            </a:r>
+            <a:endParaRPr lang="fr-FR" sz="1600" dirty="0">
+              <a:solidFill>
+                <a:schemeClr val="accent1"/>
+              </a:solidFill>
+            </a:endParaRPr>
+          </a:p>
+        </p:txBody>
+      </p:sp>
+      <p:sp>
+        <p:nvSpPr>
+          <p:cNvPr id="68" name="ZoneTexte 67"/>
+          <p:cNvSpPr txBox="1"/>
+          <p:nvPr/>
+        </p:nvSpPr>
+        <p:spPr>
+          <a:xfrm>
+            <a:off x="6660232" y="1124744"/>
+            <a:ext cx="432048" cy="338554"/>
+          </a:xfrm>
+          <a:prstGeom prst="rect">
+            <a:avLst/>
+          </a:prstGeom>
+          <a:noFill/>
+        </p:spPr>
+        <p:txBody>
+          <a:bodyPr wrap="square" rtlCol="0">
+            <a:spAutoFit/>
+          </a:bodyPr>
+          <a:lstStyle/>
+          <a:p>
+            <a:r>
+              <a:rPr lang="fr-FR" sz="1600" dirty="0" smtClean="0">
+                <a:solidFill>
+                  <a:srgbClr val="00B050"/>
+                </a:solidFill>
+              </a:rPr>
+              <a:t>D</a:t>
+            </a:r>
+            <a:endParaRPr lang="fr-FR" sz="1600" dirty="0">
+              <a:solidFill>
+                <a:srgbClr val="00B050"/>
+              </a:solidFill>
+            </a:endParaRPr>
+          </a:p>
+        </p:txBody>
+      </p:sp>
+      <p:sp>
+        <p:nvSpPr>
+          <p:cNvPr id="69" name="ZoneTexte 68"/>
+          <p:cNvSpPr txBox="1"/>
+          <p:nvPr/>
+        </p:nvSpPr>
+        <p:spPr>
+          <a:xfrm>
+            <a:off x="3923928" y="2605676"/>
+            <a:ext cx="432048" cy="338554"/>
+          </a:xfrm>
+          <a:prstGeom prst="rect">
+            <a:avLst/>
+          </a:prstGeom>
+          <a:noFill/>
+        </p:spPr>
+        <p:txBody>
+          <a:bodyPr wrap="square" rtlCol="0">
+            <a:spAutoFit/>
+          </a:bodyPr>
+          <a:lstStyle/>
+          <a:p>
+            <a:r>
+              <a:rPr lang="fr-FR" sz="1600" dirty="0" smtClean="0">
+                <a:solidFill>
+                  <a:srgbClr val="FFC000"/>
+                </a:solidFill>
+              </a:rPr>
+              <a:t>E</a:t>
+            </a:r>
+            <a:endParaRPr lang="fr-FR" sz="1600" dirty="0">
+              <a:solidFill>
+                <a:srgbClr val="FFC000"/>
+              </a:solidFill>
+            </a:endParaRPr>
+          </a:p>
+        </p:txBody>
+      </p:sp>
+      <p:sp>
+        <p:nvSpPr>
+          <p:cNvPr id="70" name="ZoneTexte 69"/>
+          <p:cNvSpPr txBox="1"/>
+          <p:nvPr/>
+        </p:nvSpPr>
+        <p:spPr>
+          <a:xfrm>
+            <a:off x="6588224" y="3480329"/>
+            <a:ext cx="432048" cy="338554"/>
+          </a:xfrm>
+          <a:prstGeom prst="rect">
+            <a:avLst/>
+          </a:prstGeom>
+          <a:noFill/>
+        </p:spPr>
+        <p:txBody>
+          <a:bodyPr wrap="square" rtlCol="0">
+            <a:spAutoFit/>
+          </a:bodyPr>
+          <a:lstStyle/>
+          <a:p>
+            <a:r>
+              <a:rPr lang="fr-FR" sz="1600" dirty="0" smtClean="0">
+                <a:solidFill>
+                  <a:schemeClr val="accent4"/>
+                </a:solidFill>
+              </a:rPr>
+              <a:t>F</a:t>
+            </a:r>
+            <a:endParaRPr lang="fr-FR" sz="1600" dirty="0">
+              <a:solidFill>
+                <a:schemeClr val="accent4"/>
+              </a:solidFill>
+            </a:endParaRPr>
+          </a:p>
+        </p:txBody>
+      </p:sp>
+      <p:sp>
+        <p:nvSpPr>
+          <p:cNvPr id="3" name="Rectangle 2"/>
+          <p:cNvSpPr/>
+          <p:nvPr/>
+        </p:nvSpPr>
+        <p:spPr>
+          <a:xfrm>
+            <a:off x="2940410" y="2492896"/>
+            <a:ext cx="360040" cy="217512"/>
+          </a:xfrm>
+          <a:prstGeom prst="rect">
+            <a:avLst/>
+          </a:prstGeom>
+          <a:ln w="19050">
+            <a:solidFill>
+              <a:srgbClr val="FFFF00"/>
+            </a:solidFill>
+          </a:ln>
+        </p:spPr>
+        <p:style>
+          <a:lnRef idx="1">
+            <a:schemeClr val="accent1"/>
+          </a:lnRef>
+          <a:fillRef idx="0">
+            <a:schemeClr val="accent1"/>
+          </a:fillRef>
+          <a:effectRef idx="0">
+            <a:schemeClr val="accent1"/>
+          </a:effectRef>
+          <a:fontRef idx="minor">
+            <a:schemeClr val="tx1"/>
+          </a:fontRef>
+        </p:style>
+        <p:txBody>
+          <a:bodyPr rtlCol="0" anchor="ctr"/>
+          <a:lstStyle/>
+          <a:p>
+            <a:pPr algn="ctr"/>
+            <a:endParaRPr lang="fr-FR"/>
+          </a:p>
+        </p:txBody>
+      </p:sp>
+    </p:spTree>
+    <p:extLst>
+      <p:ext uri="{BB962C8B-B14F-4D97-AF65-F5344CB8AC3E}">
+        <p14:creationId xmlns:p14="http://schemas.microsoft.com/office/powerpoint/2010/main" val="1924148742"/>
+      </p:ext>
+    </p:extLst>
+  </p:cSld>
+  <p:clrMapOvr>
+    <a:masterClrMapping/>
+  </p:clrMapOvr>
+</p:sld>
+</file>
+
+<file path=ppt/slides/slide3.xml><?xml version="1.0" encoding="utf-8"?>
 <p:sld xmlns:a="http://schemas.openxmlformats.org/drawingml/2006/main" xmlns:r="http://schemas.openxmlformats.org/officeDocument/2006/relationships" xmlns:p="http://schemas.openxmlformats.org/presentationml/2006/main">
   <p:cSld>
     <p:spTree>
@@ -8011,8 +9246,8 @@
           </p:sp>
         </mc:Fallback>
       </mc:AlternateContent>
-      <mc:AlternateContent xmlns:mc="http://schemas.openxmlformats.org/markup-compatibility/2006">
-        <mc:Choice xmlns:a14="http://schemas.microsoft.com/office/drawing/2010/main" Requires="a14">
+      <mc:AlternateContent xmlns:mc="http://schemas.openxmlformats.org/markup-compatibility/2006" xmlns:a14="http://schemas.microsoft.com/office/drawing/2010/main">
+        <mc:Choice Requires="a14">
           <p:sp>
             <p:nvSpPr>
               <p:cNvPr id="41" name="ZoneTexte 40"/>
@@ -8035,7 +9270,6 @@
               </a:bodyPr>
               <a:lstStyle/>
               <a:p>
-                <a:pPr/>
                 <a14:m>
                   <m:oMath xmlns:m="http://schemas.openxmlformats.org/officeDocument/2006/math">
                     <m:sSub>
@@ -8150,7 +9384,7 @@
             </p:txBody>
           </p:sp>
         </mc:Choice>
-        <mc:Fallback>
+        <mc:Fallback xmlns="">
           <p:sp>
             <p:nvSpPr>
               <p:cNvPr id="41" name="ZoneTexte 40"/>
@@ -8189,8 +9423,8 @@
           </p:sp>
         </mc:Fallback>
       </mc:AlternateContent>
-      <mc:AlternateContent xmlns:mc="http://schemas.openxmlformats.org/markup-compatibility/2006">
-        <mc:Choice xmlns:a14="http://schemas.microsoft.com/office/drawing/2010/main" Requires="a14">
+      <mc:AlternateContent xmlns:mc="http://schemas.openxmlformats.org/markup-compatibility/2006" xmlns:a14="http://schemas.microsoft.com/office/drawing/2010/main">
+        <mc:Choice Requires="a14">
           <p:sp>
             <p:nvSpPr>
               <p:cNvPr id="43" name="ZoneTexte 42"/>
@@ -8213,7 +9447,6 @@
               </a:bodyPr>
               <a:lstStyle/>
               <a:p>
-                <a:pPr/>
                 <a14:m>
                   <m:oMath xmlns:m="http://schemas.openxmlformats.org/officeDocument/2006/math">
                     <m:sSub>
@@ -8349,7 +9582,7 @@
             </p:txBody>
           </p:sp>
         </mc:Choice>
-        <mc:Fallback>
+        <mc:Fallback xmlns="">
           <p:sp>
             <p:nvSpPr>
               <p:cNvPr id="43" name="ZoneTexte 42"/>
